--- a/Sprint 9/Esteira CI CD - Elves.pptx
+++ b/Sprint 9/Esteira CI CD - Elves.pptx
@@ -104,6 +104,11 @@
       </a:defRPr>
     </a:lvl9pPr>
   </p:defaultTextStyle>
+  <p:extLst>
+    <p:ext uri="{EFAFB233-063F-42B5-8137-9DF3F51BA10A}">
+      <p15:sldGuideLst xmlns:p15="http://schemas.microsoft.com/office/powerpoint/2012/main"/>
+    </p:ext>
+  </p:extLst>
 </p:presentation>
 </file>
 
@@ -5371,6 +5376,168 @@
           </a:fontRef>
         </p:style>
       </p:cxnSp>
+      <p:sp>
+        <p:nvSpPr>
+          <p:cNvPr id="24" name="CaixaDeTexto 23">
+            <a:extLst>
+              <a:ext uri="{FF2B5EF4-FFF2-40B4-BE49-F238E27FC236}">
+                <a16:creationId xmlns:a16="http://schemas.microsoft.com/office/drawing/2014/main" id="{FB85D724-BCF7-20D3-5974-B9EC65112583}"/>
+              </a:ext>
+            </a:extLst>
+          </p:cNvPr>
+          <p:cNvSpPr txBox="1"/>
+          <p:nvPr/>
+        </p:nvSpPr>
+        <p:spPr>
+          <a:xfrm>
+            <a:off x="2550898" y="6205673"/>
+            <a:ext cx="3915759" cy="307777"/>
+          </a:xfrm>
+          <a:prstGeom prst="rect">
+            <a:avLst/>
+          </a:prstGeom>
+          <a:noFill/>
+        </p:spPr>
+        <p:txBody>
+          <a:bodyPr wrap="square" rtlCol="0">
+            <a:spAutoFit/>
+          </a:bodyPr>
+          <a:lstStyle/>
+          <a:p>
+            <a:r>
+              <a:rPr lang="pt-BR" sz="1400" dirty="0"/>
+              <a:t>Elves Sampaio Moura - </a:t>
+            </a:r>
+            <a:r>
+              <a:rPr lang="pt-BR" sz="1400" dirty="0" err="1"/>
+              <a:t>Cleartech</a:t>
+            </a:r>
+            <a:endParaRPr lang="pt-BR" sz="1400" dirty="0"/>
+          </a:p>
+        </p:txBody>
+      </p:sp>
+      <p:cxnSp>
+        <p:nvCxnSpPr>
+          <p:cNvPr id="3" name="Conector reto 2">
+            <a:extLst>
+              <a:ext uri="{FF2B5EF4-FFF2-40B4-BE49-F238E27FC236}">
+                <a16:creationId xmlns:a16="http://schemas.microsoft.com/office/drawing/2014/main" id="{F5075A64-6923-31C1-38CE-4B34D620D954}"/>
+              </a:ext>
+            </a:extLst>
+          </p:cNvPr>
+          <p:cNvCxnSpPr>
+            <a:cxnSpLocks/>
+          </p:cNvCxnSpPr>
+          <p:nvPr/>
+        </p:nvCxnSpPr>
+        <p:spPr>
+          <a:xfrm flipH="1">
+            <a:off x="9369595" y="1523976"/>
+            <a:ext cx="26260" cy="4029828"/>
+          </a:xfrm>
+          <a:prstGeom prst="line">
+            <a:avLst/>
+          </a:prstGeom>
+          <a:ln/>
+        </p:spPr>
+        <p:style>
+          <a:lnRef idx="3">
+            <a:schemeClr val="dk1"/>
+          </a:lnRef>
+          <a:fillRef idx="0">
+            <a:schemeClr val="dk1"/>
+          </a:fillRef>
+          <a:effectRef idx="2">
+            <a:schemeClr val="dk1"/>
+          </a:effectRef>
+          <a:fontRef idx="minor">
+            <a:schemeClr val="tx1"/>
+          </a:fontRef>
+        </p:style>
+      </p:cxnSp>
+      <p:cxnSp>
+        <p:nvCxnSpPr>
+          <p:cNvPr id="9" name="Conector reto 8">
+            <a:extLst>
+              <a:ext uri="{FF2B5EF4-FFF2-40B4-BE49-F238E27FC236}">
+                <a16:creationId xmlns:a16="http://schemas.microsoft.com/office/drawing/2014/main" id="{5CBCBBDD-63D2-FE10-E3B6-DBDD3E46A247}"/>
+              </a:ext>
+            </a:extLst>
+          </p:cNvPr>
+          <p:cNvCxnSpPr/>
+          <p:nvPr/>
+        </p:nvCxnSpPr>
+        <p:spPr>
+          <a:xfrm>
+            <a:off x="9130508" y="5547454"/>
+            <a:ext cx="247650" cy="0"/>
+          </a:xfrm>
+          <a:prstGeom prst="line">
+            <a:avLst/>
+          </a:prstGeom>
+          <a:ln>
+            <a:solidFill>
+              <a:schemeClr val="tx1"/>
+            </a:solidFill>
+          </a:ln>
+        </p:spPr>
+        <p:style>
+          <a:lnRef idx="3">
+            <a:schemeClr val="dk1"/>
+          </a:lnRef>
+          <a:fillRef idx="0">
+            <a:schemeClr val="dk1"/>
+          </a:fillRef>
+          <a:effectRef idx="2">
+            <a:schemeClr val="dk1"/>
+          </a:effectRef>
+          <a:fontRef idx="minor">
+            <a:schemeClr val="tx1"/>
+          </a:fontRef>
+        </p:style>
+      </p:cxnSp>
+      <p:cxnSp>
+        <p:nvCxnSpPr>
+          <p:cNvPr id="12" name="Conector de Seta Reta 11">
+            <a:extLst>
+              <a:ext uri="{FF2B5EF4-FFF2-40B4-BE49-F238E27FC236}">
+                <a16:creationId xmlns:a16="http://schemas.microsoft.com/office/drawing/2014/main" id="{3CE69EA3-163A-1F42-E630-D72C9E03AFD2}"/>
+              </a:ext>
+            </a:extLst>
+          </p:cNvPr>
+          <p:cNvCxnSpPr/>
+          <p:nvPr/>
+        </p:nvCxnSpPr>
+        <p:spPr>
+          <a:xfrm flipH="1">
+            <a:off x="9097618" y="1530326"/>
+            <a:ext cx="304800" cy="0"/>
+          </a:xfrm>
+          <a:prstGeom prst="straightConnector1">
+            <a:avLst/>
+          </a:prstGeom>
+          <a:ln>
+            <a:solidFill>
+              <a:schemeClr val="tx1"/>
+            </a:solidFill>
+            <a:tailEnd type="triangle"/>
+          </a:ln>
+        </p:spPr>
+        <p:style>
+          <a:lnRef idx="3">
+            <a:schemeClr val="dk1"/>
+          </a:lnRef>
+          <a:fillRef idx="0">
+            <a:schemeClr val="dk1"/>
+          </a:fillRef>
+          <a:effectRef idx="2">
+            <a:schemeClr val="dk1"/>
+          </a:effectRef>
+          <a:fontRef idx="minor">
+            <a:schemeClr val="tx1"/>
+          </a:fontRef>
+        </p:style>
+      </p:cxnSp>
     </p:spTree>
     <p:extLst>
       <p:ext uri="{BB962C8B-B14F-4D97-AF65-F5344CB8AC3E}">

--- a/Sprint 9/Esteira CI CD - Elves.pptx
+++ b/Sprint 9/Esteira CI CD - Elves.pptx
@@ -10784,16 +10784,89 @@
           <a:chExt cx="0" cy="0"/>
         </a:xfrm>
       </p:grpSpPr>
+      <p:cxnSp>
+        <p:nvCxnSpPr>
+          <p:cNvPr id="84" name="Google Shape;84;p13"/>
+          <p:cNvCxnSpPr/>
+          <p:nvPr/>
+        </p:nvCxnSpPr>
+        <p:spPr>
+          <a:xfrm>
+            <a:off x="3067000" y="4056439"/>
+            <a:ext cx="609600" cy="0"/>
+          </a:xfrm>
+          <a:prstGeom prst="straightConnector1">
+            <a:avLst/>
+          </a:prstGeom>
+          <a:noFill/>
+          <a:ln cap="flat" cmpd="sng" w="19050">
+            <a:solidFill>
+              <a:schemeClr val="dk1"/>
+            </a:solidFill>
+            <a:prstDash val="solid"/>
+            <a:miter lim="800000"/>
+            <a:headEnd len="sm" w="sm" type="none"/>
+            <a:tailEnd len="sm" w="sm" type="none"/>
+          </a:ln>
+        </p:spPr>
+      </p:cxnSp>
       <p:sp>
         <p:nvSpPr>
-          <p:cNvPr id="84" name="Google Shape;84;p13"/>
+          <p:cNvPr id="85" name="Google Shape;85;p13"/>
           <p:cNvSpPr/>
           <p:nvPr/>
         </p:nvSpPr>
         <p:spPr>
           <a:xfrm>
-            <a:off x="2520856" y="3638086"/>
-            <a:ext cx="5619765" cy="894521"/>
+            <a:off x="2295150" y="2317250"/>
+            <a:ext cx="1807800" cy="2317800"/>
+          </a:xfrm>
+          <a:prstGeom prst="rect">
+            <a:avLst/>
+          </a:prstGeom>
+          <a:noFill/>
+          <a:ln cap="flat" cmpd="sng" w="19050">
+            <a:solidFill>
+              <a:schemeClr val="dk1"/>
+            </a:solidFill>
+            <a:prstDash val="dot"/>
+            <a:round/>
+            <a:headEnd len="sm" w="sm" type="none"/>
+            <a:tailEnd len="sm" w="sm" type="none"/>
+          </a:ln>
+        </p:spPr>
+        <p:txBody>
+          <a:bodyPr anchorCtr="0" anchor="ctr" bIns="91425" lIns="91425" spcFirstLastPara="1" rIns="91425" wrap="square" tIns="91425">
+            <a:noAutofit/>
+          </a:bodyPr>
+          <a:lstStyle/>
+          <a:p>
+            <a:pPr indent="0" lvl="0" marL="0" rtl="0" algn="l">
+              <a:spcBef>
+                <a:spcPts val="0"/>
+              </a:spcBef>
+              <a:spcAft>
+                <a:spcPts val="0"/>
+              </a:spcAft>
+              <a:buNone/>
+            </a:pPr>
+            <a:r>
+              <a:t/>
+            </a:r>
+            <a:endParaRPr/>
+          </a:p>
+        </p:txBody>
+      </p:sp>
+      <p:sp>
+        <p:nvSpPr>
+          <p:cNvPr id="86" name="Google Shape;86;p13"/>
+          <p:cNvSpPr/>
+          <p:nvPr/>
+        </p:nvSpPr>
+        <p:spPr>
+          <a:xfrm>
+            <a:off x="2520849" y="3638075"/>
+            <a:ext cx="6767400" cy="894600"/>
           </a:xfrm>
           <a:prstGeom prst="rect">
             <a:avLst/>
@@ -10841,7 +10914,7 @@
       </p:sp>
       <p:pic>
         <p:nvPicPr>
-          <p:cNvPr descr="Perfil de mulher com preenchimento sólido" id="85" name="Google Shape;85;p13"/>
+          <p:cNvPr descr="Perfil de mulher com preenchimento sólido" id="87" name="Google Shape;87;p13"/>
           <p:cNvPicPr preferRelativeResize="0"/>
           <p:nvPr/>
         </p:nvPicPr>
@@ -10868,7 +10941,7 @@
       </p:pic>
       <p:pic>
         <p:nvPicPr>
-          <p:cNvPr descr="Usuário com preenchimento sólido" id="86" name="Google Shape;86;p13"/>
+          <p:cNvPr descr="Usuário com preenchimento sólido" id="88" name="Google Shape;88;p13"/>
           <p:cNvPicPr preferRelativeResize="0"/>
           <p:nvPr/>
         </p:nvPicPr>
@@ -10895,7 +10968,7 @@
       </p:pic>
       <p:cxnSp>
         <p:nvCxnSpPr>
-          <p:cNvPr id="87" name="Google Shape;87;p13"/>
+          <p:cNvPr id="89" name="Google Shape;89;p13"/>
           <p:cNvCxnSpPr/>
           <p:nvPr/>
         </p:nvCxnSpPr>
@@ -10921,7 +10994,7 @@
       </p:cxnSp>
       <p:cxnSp>
         <p:nvCxnSpPr>
-          <p:cNvPr id="88" name="Google Shape;88;p13"/>
+          <p:cNvPr id="90" name="Google Shape;90;p13"/>
           <p:cNvCxnSpPr/>
           <p:nvPr/>
         </p:nvCxnSpPr>
@@ -10947,9 +11020,9 @@
       </p:cxnSp>
       <p:cxnSp>
         <p:nvCxnSpPr>
-          <p:cNvPr id="89" name="Google Shape;89;p13"/>
+          <p:cNvPr id="91" name="Google Shape;91;p13"/>
           <p:cNvCxnSpPr>
-            <a:stCxn id="86" idx="2"/>
+            <a:stCxn id="88" idx="2"/>
           </p:cNvCxnSpPr>
           <p:nvPr/>
         </p:nvCxnSpPr>
@@ -10975,7 +11048,7 @@
       </p:cxnSp>
       <p:cxnSp>
         <p:nvCxnSpPr>
-          <p:cNvPr id="90" name="Google Shape;90;p13"/>
+          <p:cNvPr id="92" name="Google Shape;92;p13"/>
           <p:cNvCxnSpPr/>
           <p:nvPr/>
         </p:nvCxnSpPr>
@@ -11001,7 +11074,7 @@
       </p:cxnSp>
       <p:pic>
         <p:nvPicPr>
-          <p:cNvPr descr="Padrão do plano de fundo&#10;&#10;Descrição gerada automaticamente com confiança média" id="91" name="Google Shape;91;p13"/>
+          <p:cNvPr descr="Padrão do plano de fundo&#10;&#10;Descrição gerada automaticamente com confiança média" id="93" name="Google Shape;93;p13"/>
           <p:cNvPicPr preferRelativeResize="0"/>
           <p:nvPr/>
         </p:nvPicPr>
@@ -11028,7 +11101,7 @@
       </p:pic>
       <p:pic>
         <p:nvPicPr>
-          <p:cNvPr id="92" name="Google Shape;92;p13"/>
+          <p:cNvPr id="94" name="Google Shape;94;p13"/>
           <p:cNvPicPr preferRelativeResize="0"/>
           <p:nvPr/>
         </p:nvPicPr>
@@ -11041,8 +11114,8 @@
         </p:blipFill>
         <p:spPr>
           <a:xfrm>
-            <a:off x="2396244" y="3593274"/>
-            <a:ext cx="914400" cy="914400"/>
+            <a:off x="2541097" y="3719459"/>
+            <a:ext cx="731750" cy="731750"/>
           </a:xfrm>
           <a:prstGeom prst="rect">
             <a:avLst/>
@@ -11055,7 +11128,7 @@
       </p:pic>
       <p:pic>
         <p:nvPicPr>
-          <p:cNvPr descr="What is Azure DevOps?" id="93" name="Google Shape;93;p13"/>
+          <p:cNvPr descr="What is Azure DevOps?" id="95" name="Google Shape;95;p13"/>
           <p:cNvPicPr preferRelativeResize="0"/>
           <p:nvPr/>
         </p:nvPicPr>
@@ -11068,8 +11141,8 @@
         </p:blipFill>
         <p:spPr>
           <a:xfrm>
-            <a:off x="3625848" y="3690849"/>
-            <a:ext cx="856778" cy="778725"/>
+            <a:off x="3397050" y="3783037"/>
+            <a:ext cx="665175" cy="604605"/>
           </a:xfrm>
           <a:prstGeom prst="rect">
             <a:avLst/>
@@ -11082,14 +11155,14 @@
       </p:pic>
       <p:sp>
         <p:nvSpPr>
-          <p:cNvPr id="94" name="Google Shape;94;p13"/>
+          <p:cNvPr id="96" name="Google Shape;96;p13"/>
           <p:cNvSpPr/>
           <p:nvPr/>
         </p:nvSpPr>
         <p:spPr>
           <a:xfrm>
-            <a:off x="3188248" y="3961575"/>
-            <a:ext cx="277186" cy="89726"/>
+            <a:off x="4305248" y="4011600"/>
+            <a:ext cx="277200" cy="89700"/>
           </a:xfrm>
           <a:prstGeom prst="rightArrow">
             <a:avLst>
@@ -11140,69 +11213,9 @@
           </a:p>
         </p:txBody>
       </p:sp>
-      <p:sp>
-        <p:nvSpPr>
-          <p:cNvPr id="95" name="Google Shape;95;p13"/>
-          <p:cNvSpPr/>
-          <p:nvPr/>
-        </p:nvSpPr>
-        <p:spPr>
-          <a:xfrm>
-            <a:off x="4300008" y="3966738"/>
-            <a:ext cx="277186" cy="89726"/>
-          </a:xfrm>
-          <a:prstGeom prst="rightArrow">
-            <a:avLst>
-              <a:gd fmla="val 50000" name="adj1"/>
-              <a:gd fmla="val 50000" name="adj2"/>
-            </a:avLst>
-          </a:prstGeom>
-          <a:solidFill>
-            <a:schemeClr val="dk1"/>
-          </a:solidFill>
-          <a:ln cap="flat" cmpd="sng" w="12700">
-            <a:solidFill>
-              <a:schemeClr val="dk1"/>
-            </a:solidFill>
-            <a:prstDash val="solid"/>
-            <a:miter lim="800000"/>
-            <a:headEnd len="sm" w="sm" type="none"/>
-            <a:tailEnd len="sm" w="sm" type="none"/>
-          </a:ln>
-        </p:spPr>
-        <p:txBody>
-          <a:bodyPr anchorCtr="0" anchor="ctr" bIns="45700" lIns="91425" spcFirstLastPara="1" rIns="91425" wrap="square" tIns="45700">
-            <a:noAutofit/>
-          </a:bodyPr>
-          <a:lstStyle/>
-          <a:p>
-            <a:pPr indent="0" lvl="0" marL="0" marR="0" rtl="0" algn="ctr">
-              <a:spcBef>
-                <a:spcPts val="0"/>
-              </a:spcBef>
-              <a:spcAft>
-                <a:spcPts val="0"/>
-              </a:spcAft>
-              <a:buNone/>
-            </a:pPr>
-            <a:r>
-              <a:t/>
-            </a:r>
-            <a:endParaRPr b="0" i="0" sz="1800" u="none" cap="none" strike="noStrike">
-              <a:solidFill>
-                <a:schemeClr val="lt1"/>
-              </a:solidFill>
-              <a:latin typeface="Calibri"/>
-              <a:ea typeface="Calibri"/>
-              <a:cs typeface="Calibri"/>
-              <a:sym typeface="Calibri"/>
-            </a:endParaRPr>
-          </a:p>
-        </p:txBody>
-      </p:sp>
       <p:pic>
         <p:nvPicPr>
-          <p:cNvPr descr="Forma&#10;&#10;Descrição gerada automaticamente com confiança média" id="96" name="Google Shape;96;p13"/>
+          <p:cNvPr descr="Forma&#10;&#10;Descrição gerada automaticamente com confiança média" id="97" name="Google Shape;97;p13"/>
           <p:cNvPicPr preferRelativeResize="0"/>
           <p:nvPr/>
         </p:nvPicPr>
@@ -11216,7 +11229,7 @@
         <p:spPr>
           <a:xfrm>
             <a:off x="4489998" y="3690849"/>
-            <a:ext cx="1236092" cy="648949"/>
+            <a:ext cx="1236093" cy="648949"/>
           </a:xfrm>
           <a:prstGeom prst="rect">
             <a:avLst/>
@@ -11229,7 +11242,7 @@
       </p:pic>
       <p:sp>
         <p:nvSpPr>
-          <p:cNvPr id="97" name="Google Shape;97;p13"/>
+          <p:cNvPr id="98" name="Google Shape;98;p13"/>
           <p:cNvSpPr txBox="1"/>
           <p:nvPr/>
         </p:nvSpPr>
@@ -11287,7 +11300,7 @@
       </p:sp>
       <p:sp>
         <p:nvSpPr>
-          <p:cNvPr id="98" name="Google Shape;98;p13"/>
+          <p:cNvPr id="99" name="Google Shape;99;p13"/>
           <p:cNvSpPr/>
           <p:nvPr/>
         </p:nvSpPr>
@@ -11347,7 +11360,7 @@
       </p:sp>
       <p:pic>
         <p:nvPicPr>
-          <p:cNvPr descr="Forma&#10;&#10;Descrição gerada automaticamente com confiança baixa" id="99" name="Google Shape;99;p13"/>
+          <p:cNvPr descr="Forma&#10;&#10;Descrição gerada automaticamente com confiança baixa" id="100" name="Google Shape;100;p13"/>
           <p:cNvPicPr preferRelativeResize="0"/>
           <p:nvPr/>
         </p:nvPicPr>
@@ -11374,7 +11387,7 @@
       </p:pic>
       <p:sp>
         <p:nvSpPr>
-          <p:cNvPr id="100" name="Google Shape;100;p13"/>
+          <p:cNvPr id="101" name="Google Shape;101;p13"/>
           <p:cNvSpPr txBox="1"/>
           <p:nvPr/>
         </p:nvSpPr>
@@ -11432,7 +11445,7 @@
       </p:sp>
       <p:pic>
         <p:nvPicPr>
-          <p:cNvPr descr="Desenho de uma placa&#10;&#10;Descrição gerada automaticamente com confiança média" id="101" name="Google Shape;101;p13"/>
+          <p:cNvPr descr="Desenho de uma placa&#10;&#10;Descrição gerada automaticamente com confiança média" id="102" name="Google Shape;102;p13"/>
           <p:cNvPicPr preferRelativeResize="0"/>
           <p:nvPr/>
         </p:nvPicPr>
@@ -11459,7 +11472,7 @@
       </p:pic>
       <p:pic>
         <p:nvPicPr>
-          <p:cNvPr descr="Desenho de uma placa&#10;&#10;Descrição gerada automaticamente com confiança média" id="102" name="Google Shape;102;p13"/>
+          <p:cNvPr descr="Desenho de uma placa&#10;&#10;Descrição gerada automaticamente com confiança média" id="103" name="Google Shape;103;p13"/>
           <p:cNvPicPr preferRelativeResize="0"/>
           <p:nvPr/>
         </p:nvPicPr>
@@ -11486,7 +11499,7 @@
       </p:pic>
       <p:pic>
         <p:nvPicPr>
-          <p:cNvPr descr="Ícone&#10;&#10;Descrição gerada automaticamente" id="103" name="Google Shape;103;p13"/>
+          <p:cNvPr descr="Ícone&#10;&#10;Descrição gerada automaticamente" id="104" name="Google Shape;104;p13"/>
           <p:cNvPicPr preferRelativeResize="0"/>
           <p:nvPr/>
         </p:nvPicPr>
@@ -11513,7 +11526,7 @@
       </p:pic>
       <p:sp>
         <p:nvSpPr>
-          <p:cNvPr id="104" name="Google Shape;104;p13"/>
+          <p:cNvPr id="105" name="Google Shape;105;p13"/>
           <p:cNvSpPr/>
           <p:nvPr/>
         </p:nvSpPr>
@@ -11573,7 +11586,7 @@
       </p:sp>
       <p:pic>
         <p:nvPicPr>
-          <p:cNvPr descr="Ícone&#10;&#10;Descrição gerada automaticamente" id="105" name="Google Shape;105;p13"/>
+          <p:cNvPr descr="Ícone&#10;&#10;Descrição gerada automaticamente" id="106" name="Google Shape;106;p13"/>
           <p:cNvPicPr preferRelativeResize="0"/>
           <p:nvPr/>
         </p:nvPicPr>
@@ -11600,7 +11613,7 @@
       </p:pic>
       <p:sp>
         <p:nvSpPr>
-          <p:cNvPr id="106" name="Google Shape;106;p13"/>
+          <p:cNvPr id="107" name="Google Shape;107;p13"/>
           <p:cNvSpPr txBox="1"/>
           <p:nvPr/>
         </p:nvSpPr>
@@ -11658,7 +11671,7 @@
       </p:sp>
       <p:sp>
         <p:nvSpPr>
-          <p:cNvPr id="107" name="Google Shape;107;p13"/>
+          <p:cNvPr id="108" name="Google Shape;108;p13"/>
           <p:cNvSpPr txBox="1"/>
           <p:nvPr/>
         </p:nvSpPr>
@@ -11716,7 +11729,7 @@
       </p:sp>
       <p:pic>
         <p:nvPicPr>
-          <p:cNvPr descr="Desenho preto e branco&#10;&#10;Descrição gerada automaticamente" id="108" name="Google Shape;108;p13"/>
+          <p:cNvPr descr="Desenho preto e branco&#10;&#10;Descrição gerada automaticamente" id="109" name="Google Shape;109;p13"/>
           <p:cNvPicPr preferRelativeResize="0"/>
           <p:nvPr/>
         </p:nvPicPr>
@@ -11743,14 +11756,14 @@
       </p:pic>
       <p:sp>
         <p:nvSpPr>
-          <p:cNvPr id="109" name="Google Shape;109;p13"/>
+          <p:cNvPr id="110" name="Google Shape;110;p13"/>
           <p:cNvSpPr txBox="1"/>
           <p:nvPr/>
         </p:nvSpPr>
         <p:spPr>
           <a:xfrm>
             <a:off x="6943246" y="4179764"/>
-            <a:ext cx="791792" cy="338554"/>
+            <a:ext cx="791700" cy="338700"/>
           </a:xfrm>
           <a:prstGeom prst="rect">
             <a:avLst/>
@@ -11801,7 +11814,7 @@
       </p:sp>
       <p:sp>
         <p:nvSpPr>
-          <p:cNvPr id="110" name="Google Shape;110;p13"/>
+          <p:cNvPr id="111" name="Google Shape;111;p13"/>
           <p:cNvSpPr/>
           <p:nvPr/>
         </p:nvSpPr>
@@ -11861,7 +11874,7 @@
       </p:sp>
       <p:pic>
         <p:nvPicPr>
-          <p:cNvPr descr="Ícone&#10;&#10;Descrição gerada automaticamente" id="111" name="Google Shape;111;p13"/>
+          <p:cNvPr descr="Ícone&#10;&#10;Descrição gerada automaticamente" id="112" name="Google Shape;112;p13"/>
           <p:cNvPicPr preferRelativeResize="0"/>
           <p:nvPr/>
         </p:nvPicPr>
@@ -11888,7 +11901,7 @@
       </p:pic>
       <p:sp>
         <p:nvSpPr>
-          <p:cNvPr id="112" name="Google Shape;112;p13"/>
+          <p:cNvPr id="113" name="Google Shape;113;p13"/>
           <p:cNvSpPr txBox="1"/>
           <p:nvPr/>
         </p:nvSpPr>
@@ -11946,7 +11959,7 @@
       </p:sp>
       <p:cxnSp>
         <p:nvCxnSpPr>
-          <p:cNvPr id="113" name="Google Shape;113;p13"/>
+          <p:cNvPr id="114" name="Google Shape;114;p13"/>
           <p:cNvCxnSpPr/>
           <p:nvPr/>
         </p:nvCxnSpPr>
@@ -11972,7 +11985,7 @@
       </p:cxnSp>
       <p:cxnSp>
         <p:nvCxnSpPr>
-          <p:cNvPr id="114" name="Google Shape;114;p13"/>
+          <p:cNvPr id="115" name="Google Shape;115;p13"/>
           <p:cNvCxnSpPr/>
           <p:nvPr/>
         </p:nvCxnSpPr>
@@ -11998,7 +12011,7 @@
       </p:cxnSp>
       <p:cxnSp>
         <p:nvCxnSpPr>
-          <p:cNvPr id="115" name="Google Shape;115;p13"/>
+          <p:cNvPr id="116" name="Google Shape;116;p13"/>
           <p:cNvCxnSpPr/>
           <p:nvPr/>
         </p:nvCxnSpPr>
@@ -12024,7 +12037,7 @@
       </p:cxnSp>
       <p:cxnSp>
         <p:nvCxnSpPr>
-          <p:cNvPr id="116" name="Google Shape;116;p13"/>
+          <p:cNvPr id="117" name="Google Shape;117;p13"/>
           <p:cNvCxnSpPr/>
           <p:nvPr/>
         </p:nvCxnSpPr>
@@ -12052,7 +12065,7 @@
       </p:cxnSp>
       <p:sp>
         <p:nvSpPr>
-          <p:cNvPr id="117" name="Google Shape;117;p13"/>
+          <p:cNvPr id="118" name="Google Shape;118;p13"/>
           <p:cNvSpPr txBox="1"/>
           <p:nvPr/>
         </p:nvSpPr>
@@ -12110,7 +12123,7 @@
       </p:sp>
       <p:sp>
         <p:nvSpPr>
-          <p:cNvPr id="118" name="Google Shape;118;p13"/>
+          <p:cNvPr id="119" name="Google Shape;119;p13"/>
           <p:cNvSpPr/>
           <p:nvPr/>
         </p:nvSpPr>
@@ -12170,7 +12183,7 @@
       </p:sp>
       <p:pic>
         <p:nvPicPr>
-          <p:cNvPr descr="Forma&#10;&#10;Descrição gerada automaticamente com confiança baixa" id="119" name="Google Shape;119;p13"/>
+          <p:cNvPr descr="Forma&#10;&#10;Descrição gerada automaticamente com confiança baixa" id="120" name="Google Shape;120;p13"/>
           <p:cNvPicPr preferRelativeResize="0"/>
           <p:nvPr/>
         </p:nvPicPr>
@@ -12197,7 +12210,7 @@
       </p:pic>
       <p:sp>
         <p:nvSpPr>
-          <p:cNvPr id="120" name="Google Shape;120;p13"/>
+          <p:cNvPr id="121" name="Google Shape;121;p13"/>
           <p:cNvSpPr txBox="1"/>
           <p:nvPr/>
         </p:nvSpPr>
@@ -12255,7 +12268,7 @@
       </p:sp>
       <p:pic>
         <p:nvPicPr>
-          <p:cNvPr descr="Ícone&#10;&#10;Descrição gerada automaticamente" id="121" name="Google Shape;121;p13"/>
+          <p:cNvPr descr="Ícone&#10;&#10;Descrição gerada automaticamente" id="122" name="Google Shape;122;p13"/>
           <p:cNvPicPr preferRelativeResize="0"/>
           <p:nvPr/>
         </p:nvPicPr>
@@ -12282,7 +12295,7 @@
       </p:pic>
       <p:pic>
         <p:nvPicPr>
-          <p:cNvPr descr="Desenho de uma placa&#10;&#10;Descrição gerada automaticamente com confiança média" id="122" name="Google Shape;122;p13"/>
+          <p:cNvPr descr="Desenho de uma placa&#10;&#10;Descrição gerada automaticamente com confiança média" id="123" name="Google Shape;123;p13"/>
           <p:cNvPicPr preferRelativeResize="0"/>
           <p:nvPr/>
         </p:nvPicPr>
@@ -12309,7 +12322,7 @@
       </p:pic>
       <p:pic>
         <p:nvPicPr>
-          <p:cNvPr descr="Forma&#10;&#10;Descrição gerada automaticamente com confiança média" id="123" name="Google Shape;123;p13"/>
+          <p:cNvPr descr="Forma&#10;&#10;Descrição gerada automaticamente com confiança média" id="124" name="Google Shape;124;p13"/>
           <p:cNvPicPr preferRelativeResize="0"/>
           <p:nvPr/>
         </p:nvPicPr>
@@ -12336,7 +12349,7 @@
       </p:pic>
       <p:sp>
         <p:nvSpPr>
-          <p:cNvPr id="124" name="Google Shape;124;p13"/>
+          <p:cNvPr id="125" name="Google Shape;125;p13"/>
           <p:cNvSpPr txBox="1"/>
           <p:nvPr/>
         </p:nvSpPr>
@@ -12394,7 +12407,7 @@
       </p:sp>
       <p:pic>
         <p:nvPicPr>
-          <p:cNvPr descr="Logotipo, Ícone&#10;&#10;Descrição gerada automaticamente" id="125" name="Google Shape;125;p13"/>
+          <p:cNvPr descr="Logotipo, Ícone&#10;&#10;Descrição gerada automaticamente" id="126" name="Google Shape;126;p13"/>
           <p:cNvPicPr preferRelativeResize="0"/>
           <p:nvPr/>
         </p:nvPicPr>
@@ -12421,7 +12434,7 @@
       </p:pic>
       <p:sp>
         <p:nvSpPr>
-          <p:cNvPr id="126" name="Google Shape;126;p13"/>
+          <p:cNvPr id="127" name="Google Shape;127;p13"/>
           <p:cNvSpPr/>
           <p:nvPr/>
         </p:nvSpPr>
@@ -12481,7 +12494,7 @@
       </p:sp>
       <p:pic>
         <p:nvPicPr>
-          <p:cNvPr descr="Forma&#10;&#10;Descrição gerada automaticamente com confiança média" id="127" name="Google Shape;127;p13"/>
+          <p:cNvPr descr="Forma&#10;&#10;Descrição gerada automaticamente com confiança média" id="128" name="Google Shape;128;p13"/>
           <p:cNvPicPr preferRelativeResize="0"/>
           <p:nvPr/>
         </p:nvPicPr>
@@ -12508,7 +12521,7 @@
       </p:pic>
       <p:sp>
         <p:nvSpPr>
-          <p:cNvPr id="128" name="Google Shape;128;p13"/>
+          <p:cNvPr id="129" name="Google Shape;129;p13"/>
           <p:cNvSpPr txBox="1"/>
           <p:nvPr/>
         </p:nvSpPr>
@@ -12566,10 +12579,10 @@
       </p:sp>
       <p:cxnSp>
         <p:nvCxnSpPr>
-          <p:cNvPr id="129" name="Google Shape;129;p13"/>
+          <p:cNvPr id="130" name="Google Shape;130;p13"/>
           <p:cNvCxnSpPr>
-            <a:stCxn id="127" idx="0"/>
-            <a:endCxn id="106" idx="0"/>
+            <a:stCxn id="128" idx="0"/>
+            <a:endCxn id="107" idx="0"/>
           </p:cNvCxnSpPr>
           <p:nvPr/>
         </p:nvCxnSpPr>
@@ -12597,7 +12610,7 @@
       </p:cxnSp>
       <p:sp>
         <p:nvSpPr>
-          <p:cNvPr id="130" name="Google Shape;130;p13"/>
+          <p:cNvPr id="131" name="Google Shape;131;p13"/>
           <p:cNvSpPr txBox="1"/>
           <p:nvPr/>
         </p:nvSpPr>
@@ -12647,7 +12660,7 @@
       </p:sp>
       <p:sp>
         <p:nvSpPr>
-          <p:cNvPr id="131" name="Google Shape;131;p13"/>
+          <p:cNvPr id="132" name="Google Shape;132;p13"/>
           <p:cNvSpPr txBox="1"/>
           <p:nvPr/>
         </p:nvSpPr>
@@ -12697,7 +12710,7 @@
       </p:sp>
       <p:pic>
         <p:nvPicPr>
-          <p:cNvPr descr="Seta circular com preenchimento sólido" id="132" name="Google Shape;132;p13"/>
+          <p:cNvPr descr="Seta circular com preenchimento sólido" id="133" name="Google Shape;133;p13"/>
           <p:cNvPicPr preferRelativeResize="0"/>
           <p:nvPr/>
         </p:nvPicPr>
@@ -12724,7 +12737,7 @@
       </p:pic>
       <p:cxnSp>
         <p:nvCxnSpPr>
-          <p:cNvPr id="133" name="Google Shape;133;p13"/>
+          <p:cNvPr id="134" name="Google Shape;134;p13"/>
           <p:cNvCxnSpPr/>
           <p:nvPr/>
         </p:nvCxnSpPr>
@@ -12750,7 +12763,7 @@
       </p:cxnSp>
       <p:sp>
         <p:nvSpPr>
-          <p:cNvPr id="134" name="Google Shape;134;p13"/>
+          <p:cNvPr id="135" name="Google Shape;135;p13"/>
           <p:cNvSpPr txBox="1"/>
           <p:nvPr/>
         </p:nvSpPr>
@@ -12808,7 +12821,7 @@
       </p:sp>
       <p:cxnSp>
         <p:nvCxnSpPr>
-          <p:cNvPr id="135" name="Google Shape;135;p13"/>
+          <p:cNvPr id="136" name="Google Shape;136;p13"/>
           <p:cNvCxnSpPr/>
           <p:nvPr/>
         </p:nvCxnSpPr>
@@ -12834,7 +12847,7 @@
       </p:cxnSp>
       <p:cxnSp>
         <p:nvCxnSpPr>
-          <p:cNvPr id="136" name="Google Shape;136;p13"/>
+          <p:cNvPr id="137" name="Google Shape;137;p13"/>
           <p:cNvCxnSpPr/>
           <p:nvPr/>
         </p:nvCxnSpPr>
@@ -12860,7 +12873,7 @@
       </p:cxnSp>
       <p:cxnSp>
         <p:nvCxnSpPr>
-          <p:cNvPr id="137" name="Google Shape;137;p13"/>
+          <p:cNvPr id="138" name="Google Shape;138;p13"/>
           <p:cNvCxnSpPr/>
           <p:nvPr/>
         </p:nvCxnSpPr>
@@ -12886,7 +12899,7 @@
       </p:cxnSp>
       <p:cxnSp>
         <p:nvCxnSpPr>
-          <p:cNvPr id="138" name="Google Shape;138;p13"/>
+          <p:cNvPr id="139" name="Google Shape;139;p13"/>
           <p:cNvCxnSpPr/>
           <p:nvPr/>
         </p:nvCxnSpPr>
@@ -12912,7 +12925,7 @@
       </p:cxnSp>
       <p:pic>
         <p:nvPicPr>
-          <p:cNvPr id="139" name="Google Shape;139;p13"/>
+          <p:cNvPr id="140" name="Google Shape;140;p13"/>
           <p:cNvPicPr preferRelativeResize="0"/>
           <p:nvPr/>
         </p:nvPicPr>
@@ -12940,7 +12953,7 @@
       </p:pic>
       <p:pic>
         <p:nvPicPr>
-          <p:cNvPr id="140" name="Google Shape;140;p13"/>
+          <p:cNvPr id="141" name="Google Shape;141;p13"/>
           <p:cNvPicPr preferRelativeResize="0"/>
           <p:nvPr/>
         </p:nvPicPr>
@@ -12968,7 +12981,7 @@
       </p:pic>
       <p:pic>
         <p:nvPicPr>
-          <p:cNvPr id="141" name="Google Shape;141;p13"/>
+          <p:cNvPr id="142" name="Google Shape;142;p13"/>
           <p:cNvPicPr preferRelativeResize="0"/>
           <p:nvPr/>
         </p:nvPicPr>
@@ -12994,6 +13007,180 @@
           </a:ln>
         </p:spPr>
       </p:pic>
+      <p:sp>
+        <p:nvSpPr>
+          <p:cNvPr id="143" name="Google Shape;143;p13"/>
+          <p:cNvSpPr txBox="1"/>
+          <p:nvPr/>
+        </p:nvSpPr>
+        <p:spPr>
+          <a:xfrm rot="-5398796">
+            <a:off x="1724067" y="3047959"/>
+            <a:ext cx="856800" cy="420900"/>
+          </a:xfrm>
+          <a:prstGeom prst="rect">
+            <a:avLst/>
+          </a:prstGeom>
+          <a:noFill/>
+          <a:ln>
+            <a:noFill/>
+          </a:ln>
+        </p:spPr>
+        <p:txBody>
+          <a:bodyPr anchorCtr="0" anchor="t" bIns="91425" lIns="91425" spcFirstLastPara="1" rIns="91425" wrap="square" tIns="91425">
+            <a:noAutofit/>
+          </a:bodyPr>
+          <a:lstStyle/>
+          <a:p>
+            <a:pPr indent="0" lvl="0" marL="0" rtl="0" algn="l">
+              <a:spcBef>
+                <a:spcPts val="0"/>
+              </a:spcBef>
+              <a:spcAft>
+                <a:spcPts val="0"/>
+              </a:spcAft>
+              <a:buNone/>
+            </a:pPr>
+            <a:r>
+              <a:rPr lang="pt-BR">
+                <a:latin typeface="Calibri"/>
+                <a:ea typeface="Calibri"/>
+                <a:cs typeface="Calibri"/>
+                <a:sym typeface="Calibri"/>
+              </a:rPr>
+              <a:t>Manual</a:t>
+            </a:r>
+            <a:endParaRPr>
+              <a:latin typeface="Calibri"/>
+              <a:ea typeface="Calibri"/>
+              <a:cs typeface="Calibri"/>
+              <a:sym typeface="Calibri"/>
+            </a:endParaRPr>
+          </a:p>
+        </p:txBody>
+      </p:sp>
+      <p:sp>
+        <p:nvSpPr>
+          <p:cNvPr id="144" name="Google Shape;144;p13"/>
+          <p:cNvSpPr txBox="1"/>
+          <p:nvPr/>
+        </p:nvSpPr>
+        <p:spPr>
+          <a:xfrm rot="-5401850">
+            <a:off x="2115400" y="3863400"/>
+            <a:ext cx="557400" cy="338700"/>
+          </a:xfrm>
+          <a:prstGeom prst="rect">
+            <a:avLst/>
+          </a:prstGeom>
+          <a:noFill/>
+          <a:ln>
+            <a:noFill/>
+          </a:ln>
+        </p:spPr>
+        <p:txBody>
+          <a:bodyPr anchorCtr="0" anchor="t" bIns="91425" lIns="91425" spcFirstLastPara="1" rIns="91425" wrap="square" tIns="91425">
+            <a:noAutofit/>
+          </a:bodyPr>
+          <a:lstStyle/>
+          <a:p>
+            <a:pPr indent="0" lvl="0" marL="0" rtl="0" algn="l">
+              <a:spcBef>
+                <a:spcPts val="0"/>
+              </a:spcBef>
+              <a:spcAft>
+                <a:spcPts val="0"/>
+              </a:spcAft>
+              <a:buNone/>
+            </a:pPr>
+            <a:r>
+              <a:rPr lang="pt-BR">
+                <a:latin typeface="Calibri"/>
+                <a:ea typeface="Calibri"/>
+                <a:cs typeface="Calibri"/>
+                <a:sym typeface="Calibri"/>
+              </a:rPr>
+              <a:t>Auto</a:t>
+            </a:r>
+            <a:endParaRPr>
+              <a:latin typeface="Calibri"/>
+              <a:ea typeface="Calibri"/>
+              <a:cs typeface="Calibri"/>
+              <a:sym typeface="Calibri"/>
+            </a:endParaRPr>
+          </a:p>
+        </p:txBody>
+      </p:sp>
+      <p:sp>
+        <p:nvSpPr>
+          <p:cNvPr id="145" name="Google Shape;145;p13"/>
+          <p:cNvSpPr txBox="1"/>
+          <p:nvPr/>
+        </p:nvSpPr>
+        <p:spPr>
+          <a:xfrm rot="5400000">
+            <a:off x="8641638" y="3127613"/>
+            <a:ext cx="1869900" cy="261600"/>
+          </a:xfrm>
+          <a:prstGeom prst="rect">
+            <a:avLst/>
+          </a:prstGeom>
+          <a:noFill/>
+          <a:ln>
+            <a:noFill/>
+          </a:ln>
+        </p:spPr>
+        <p:txBody>
+          <a:bodyPr anchorCtr="0" anchor="t" bIns="91425" lIns="91425" spcFirstLastPara="1" rIns="91425" wrap="square" tIns="91425">
+            <a:noAutofit/>
+          </a:bodyPr>
+          <a:lstStyle/>
+          <a:p>
+            <a:pPr indent="0" lvl="0" marL="0" rtl="0" algn="l">
+              <a:spcBef>
+                <a:spcPts val="0"/>
+              </a:spcBef>
+              <a:spcAft>
+                <a:spcPts val="0"/>
+              </a:spcAft>
+              <a:buNone/>
+            </a:pPr>
+            <a:r>
+              <a:rPr lang="pt-BR">
+                <a:latin typeface="Calibri"/>
+                <a:ea typeface="Calibri"/>
+                <a:cs typeface="Calibri"/>
+                <a:sym typeface="Calibri"/>
+              </a:rPr>
+              <a:t>Feedbacks </a:t>
+            </a:r>
+            <a:r>
+              <a:rPr lang="pt-BR">
+                <a:latin typeface="Calibri"/>
+                <a:ea typeface="Calibri"/>
+                <a:cs typeface="Calibri"/>
+                <a:sym typeface="Calibri"/>
+              </a:rPr>
+              <a:t>contínuos</a:t>
+            </a:r>
+            <a:r>
+              <a:rPr lang="pt-BR">
+                <a:latin typeface="Calibri"/>
+                <a:ea typeface="Calibri"/>
+                <a:cs typeface="Calibri"/>
+                <a:sym typeface="Calibri"/>
+              </a:rPr>
+              <a:t> </a:t>
+            </a:r>
+            <a:endParaRPr>
+              <a:latin typeface="Calibri"/>
+              <a:ea typeface="Calibri"/>
+              <a:cs typeface="Calibri"/>
+              <a:sym typeface="Calibri"/>
+            </a:endParaRPr>
+          </a:p>
+        </p:txBody>
+      </p:sp>
     </p:spTree>
   </p:cSld>
   <p:clrMapOvr>
